--- a/figure/DLV.pptx
+++ b/figure/DLV.pptx
@@ -5,8 +5,17 @@
     <p:sldMasterId id="2147483648" r:id="rId1"/>
   </p:sldMasterIdLst>
   <p:sldIdLst>
-    <p:sldId id="256" r:id="rId2"/>
-    <p:sldId id="257" r:id="rId3"/>
+    <p:sldId id="259" r:id="rId2"/>
+    <p:sldId id="261" r:id="rId3"/>
+    <p:sldId id="262" r:id="rId4"/>
+    <p:sldId id="268" r:id="rId5"/>
+    <p:sldId id="264" r:id="rId6"/>
+    <p:sldId id="267" r:id="rId7"/>
+    <p:sldId id="265" r:id="rId8"/>
+    <p:sldId id="257" r:id="rId9"/>
+    <p:sldId id="266" r:id="rId10"/>
+    <p:sldId id="258" r:id="rId11"/>
+    <p:sldId id="260" r:id="rId12"/>
   </p:sldIdLst>
   <p:sldSz cx="12192000" cy="6858000"/>
   <p:notesSz cx="6858000" cy="9144000"/>
@@ -260,7 +269,7 @@
           <a:p>
             <a:fld id="{3CA22FB3-BB94-4B4C-B631-92D540F38D12}" type="datetimeFigureOut">
               <a:rPr lang="zh-CN" altLang="en-US" smtClean="0"/>
-              <a:t>2020/7/7</a:t>
+              <a:t>2021/3/17</a:t>
             </a:fld>
             <a:endParaRPr lang="zh-CN" altLang="en-US"/>
           </a:p>
@@ -458,7 +467,7 @@
           <a:p>
             <a:fld id="{3CA22FB3-BB94-4B4C-B631-92D540F38D12}" type="datetimeFigureOut">
               <a:rPr lang="zh-CN" altLang="en-US" smtClean="0"/>
-              <a:t>2020/7/7</a:t>
+              <a:t>2021/3/17</a:t>
             </a:fld>
             <a:endParaRPr lang="zh-CN" altLang="en-US"/>
           </a:p>
@@ -666,7 +675,7 @@
           <a:p>
             <a:fld id="{3CA22FB3-BB94-4B4C-B631-92D540F38D12}" type="datetimeFigureOut">
               <a:rPr lang="zh-CN" altLang="en-US" smtClean="0"/>
-              <a:t>2020/7/7</a:t>
+              <a:t>2021/3/17</a:t>
             </a:fld>
             <a:endParaRPr lang="zh-CN" altLang="en-US"/>
           </a:p>
@@ -864,7 +873,7 @@
           <a:p>
             <a:fld id="{3CA22FB3-BB94-4B4C-B631-92D540F38D12}" type="datetimeFigureOut">
               <a:rPr lang="zh-CN" altLang="en-US" smtClean="0"/>
-              <a:t>2020/7/7</a:t>
+              <a:t>2021/3/17</a:t>
             </a:fld>
             <a:endParaRPr lang="zh-CN" altLang="en-US"/>
           </a:p>
@@ -1139,7 +1148,7 @@
           <a:p>
             <a:fld id="{3CA22FB3-BB94-4B4C-B631-92D540F38D12}" type="datetimeFigureOut">
               <a:rPr lang="zh-CN" altLang="en-US" smtClean="0"/>
-              <a:t>2020/7/7</a:t>
+              <a:t>2021/3/17</a:t>
             </a:fld>
             <a:endParaRPr lang="zh-CN" altLang="en-US"/>
           </a:p>
@@ -1404,7 +1413,7 @@
           <a:p>
             <a:fld id="{3CA22FB3-BB94-4B4C-B631-92D540F38D12}" type="datetimeFigureOut">
               <a:rPr lang="zh-CN" altLang="en-US" smtClean="0"/>
-              <a:t>2020/7/7</a:t>
+              <a:t>2021/3/17</a:t>
             </a:fld>
             <a:endParaRPr lang="zh-CN" altLang="en-US"/>
           </a:p>
@@ -1816,7 +1825,7 @@
           <a:p>
             <a:fld id="{3CA22FB3-BB94-4B4C-B631-92D540F38D12}" type="datetimeFigureOut">
               <a:rPr lang="zh-CN" altLang="en-US" smtClean="0"/>
-              <a:t>2020/7/7</a:t>
+              <a:t>2021/3/17</a:t>
             </a:fld>
             <a:endParaRPr lang="zh-CN" altLang="en-US"/>
           </a:p>
@@ -1957,7 +1966,7 @@
           <a:p>
             <a:fld id="{3CA22FB3-BB94-4B4C-B631-92D540F38D12}" type="datetimeFigureOut">
               <a:rPr lang="zh-CN" altLang="en-US" smtClean="0"/>
-              <a:t>2020/7/7</a:t>
+              <a:t>2021/3/17</a:t>
             </a:fld>
             <a:endParaRPr lang="zh-CN" altLang="en-US"/>
           </a:p>
@@ -2070,7 +2079,7 @@
           <a:p>
             <a:fld id="{3CA22FB3-BB94-4B4C-B631-92D540F38D12}" type="datetimeFigureOut">
               <a:rPr lang="zh-CN" altLang="en-US" smtClean="0"/>
-              <a:t>2020/7/7</a:t>
+              <a:t>2021/3/17</a:t>
             </a:fld>
             <a:endParaRPr lang="zh-CN" altLang="en-US"/>
           </a:p>
@@ -2381,7 +2390,7 @@
           <a:p>
             <a:fld id="{3CA22FB3-BB94-4B4C-B631-92D540F38D12}" type="datetimeFigureOut">
               <a:rPr lang="zh-CN" altLang="en-US" smtClean="0"/>
-              <a:t>2020/7/7</a:t>
+              <a:t>2021/3/17</a:t>
             </a:fld>
             <a:endParaRPr lang="zh-CN" altLang="en-US"/>
           </a:p>
@@ -2669,7 +2678,7 @@
           <a:p>
             <a:fld id="{3CA22FB3-BB94-4B4C-B631-92D540F38D12}" type="datetimeFigureOut">
               <a:rPr lang="zh-CN" altLang="en-US" smtClean="0"/>
-              <a:t>2020/7/7</a:t>
+              <a:t>2021/3/17</a:t>
             </a:fld>
             <a:endParaRPr lang="zh-CN" altLang="en-US"/>
           </a:p>
@@ -2910,7 +2919,7 @@
           <a:p>
             <a:fld id="{3CA22FB3-BB94-4B4C-B631-92D540F38D12}" type="datetimeFigureOut">
               <a:rPr lang="zh-CN" altLang="en-US" smtClean="0"/>
-              <a:t>2020/7/7</a:t>
+              <a:t>2021/3/17</a:t>
             </a:fld>
             <a:endParaRPr lang="zh-CN" altLang="en-US"/>
           </a:p>
@@ -3329,18 +3338,18 @@
       </p:grpSpPr>
       <p:sp>
         <p:nvSpPr>
-          <p:cNvPr id="13" name="标题 12">
-            <a:extLst>
-              <a:ext uri="{FF2B5EF4-FFF2-40B4-BE49-F238E27FC236}">
-                <a16:creationId xmlns:a16="http://schemas.microsoft.com/office/drawing/2014/main" id="{6CE65696-A220-40C1-B296-51B933B31102}"/>
-              </a:ext>
-            </a:extLst>
-          </p:cNvPr>
-          <p:cNvSpPr>
-            <a:spLocks noGrp="1"/>
-          </p:cNvSpPr>
-          <p:nvPr>
-            <p:ph type="title"/>
+          <p:cNvPr id="2" name="标题 1">
+            <a:extLst>
+              <a:ext uri="{FF2B5EF4-FFF2-40B4-BE49-F238E27FC236}">
+                <a16:creationId xmlns:a16="http://schemas.microsoft.com/office/drawing/2014/main" id="{EACB41D3-8958-45FA-9012-8B5B0C320FAB}"/>
+              </a:ext>
+            </a:extLst>
+          </p:cNvPr>
+          <p:cNvSpPr>
+            <a:spLocks noGrp="1"/>
+          </p:cNvSpPr>
+          <p:nvPr>
+            <p:ph type="ctrTitle"/>
           </p:nvPr>
         </p:nvSpPr>
         <p:spPr/>
@@ -3356,500 +3365,245 @@
           </a:p>
         </p:txBody>
       </p:sp>
-      <p:pic>
-        <p:nvPicPr>
-          <p:cNvPr id="28" name="内容占位符 27">
-            <a:extLst>
-              <a:ext uri="{FF2B5EF4-FFF2-40B4-BE49-F238E27FC236}">
-                <a16:creationId xmlns:a16="http://schemas.microsoft.com/office/drawing/2014/main" id="{DE36E1A1-E8E7-4578-A728-3B30D68EBDAD}"/>
-              </a:ext>
-            </a:extLst>
-          </p:cNvPr>
-          <p:cNvPicPr>
-            <a:picLocks noGrp="1" noChangeAspect="1"/>
-          </p:cNvPicPr>
-          <p:nvPr>
-            <p:ph sz="half" idx="1"/>
-          </p:nvPr>
-        </p:nvPicPr>
-        <p:blipFill>
-          <a:blip r:embed="rId2"/>
-          <a:stretch>
-            <a:fillRect/>
-          </a:stretch>
-        </p:blipFill>
-        <p:spPr>
-          <a:xfrm>
-            <a:off x="6015833" y="3227209"/>
-            <a:ext cx="4393406" cy="2954173"/>
-          </a:xfrm>
-          <a:prstGeom prst="rect">
-            <a:avLst/>
-          </a:prstGeom>
-        </p:spPr>
-      </p:pic>
-      <p:pic>
-        <p:nvPicPr>
-          <p:cNvPr id="29" name="图片 28">
-            <a:extLst>
-              <a:ext uri="{FF2B5EF4-FFF2-40B4-BE49-F238E27FC236}">
-                <a16:creationId xmlns:a16="http://schemas.microsoft.com/office/drawing/2014/main" id="{97F5F0CD-23AF-4852-9DDD-4D363B701A98}"/>
-              </a:ext>
-            </a:extLst>
-          </p:cNvPr>
-          <p:cNvPicPr>
-            <a:picLocks noChangeAspect="1"/>
-          </p:cNvPicPr>
-          <p:nvPr/>
-        </p:nvPicPr>
-        <p:blipFill>
-          <a:blip r:embed="rId3"/>
-          <a:stretch>
-            <a:fillRect/>
-          </a:stretch>
-        </p:blipFill>
-        <p:spPr>
-          <a:xfrm>
-            <a:off x="1016007" y="3016251"/>
-            <a:ext cx="4279903" cy="3085786"/>
-          </a:xfrm>
-          <a:prstGeom prst="rect">
-            <a:avLst/>
-          </a:prstGeom>
-        </p:spPr>
-      </p:pic>
-      <p:sp>
-        <p:nvSpPr>
-          <p:cNvPr id="30" name="内容占位符 13">
-            <a:extLst>
-              <a:ext uri="{FF2B5EF4-FFF2-40B4-BE49-F238E27FC236}">
-                <a16:creationId xmlns:a16="http://schemas.microsoft.com/office/drawing/2014/main" id="{72CC4B6E-7F70-4000-BA04-E2C702E67077}"/>
-              </a:ext>
-            </a:extLst>
-          </p:cNvPr>
-          <p:cNvSpPr txBox="1">
-            <a:spLocks/>
-          </p:cNvSpPr>
-          <p:nvPr/>
-        </p:nvSpPr>
-        <p:spPr>
-          <a:xfrm>
-            <a:off x="1016007" y="1678572"/>
-            <a:ext cx="4279903" cy="1325564"/>
-          </a:xfrm>
-          <a:prstGeom prst="rect">
-            <a:avLst/>
-          </a:prstGeom>
-        </p:spPr>
-        <p:txBody>
-          <a:bodyPr vert="horz" lIns="91440" tIns="45720" rIns="91440" bIns="45720" rtlCol="0">
-            <a:normAutofit/>
-          </a:bodyPr>
-          <a:lstStyle>
-            <a:lvl1pPr marL="228600" indent="-228600" algn="l" defTabSz="914400" rtl="0" eaLnBrk="1" latinLnBrk="0" hangingPunct="1">
-              <a:lnSpc>
-                <a:spcPct val="90000"/>
-              </a:lnSpc>
-              <a:spcBef>
-                <a:spcPts val="1000"/>
-              </a:spcBef>
-              <a:buFont typeface="Arial" panose="020B0604020202020204" pitchFamily="34" charset="0"/>
-              <a:buChar char="•"/>
-              <a:defRPr sz="2800" kern="1200">
-                <a:solidFill>
-                  <a:schemeClr val="tx1"/>
-                </a:solidFill>
-                <a:latin typeface="+mn-lt"/>
-                <a:ea typeface="+mn-ea"/>
-                <a:cs typeface="+mn-cs"/>
-              </a:defRPr>
-            </a:lvl1pPr>
-            <a:lvl2pPr marL="685800" indent="-228600" algn="l" defTabSz="914400" rtl="0" eaLnBrk="1" latinLnBrk="0" hangingPunct="1">
-              <a:lnSpc>
-                <a:spcPct val="90000"/>
-              </a:lnSpc>
-              <a:spcBef>
-                <a:spcPts val="500"/>
-              </a:spcBef>
-              <a:buFont typeface="Arial" panose="020B0604020202020204" pitchFamily="34" charset="0"/>
-              <a:buChar char="•"/>
-              <a:defRPr sz="2400" kern="1200">
-                <a:solidFill>
-                  <a:schemeClr val="tx1"/>
-                </a:solidFill>
-                <a:latin typeface="+mn-lt"/>
-                <a:ea typeface="+mn-ea"/>
-                <a:cs typeface="+mn-cs"/>
-              </a:defRPr>
-            </a:lvl2pPr>
-            <a:lvl3pPr marL="1143000" indent="-228600" algn="l" defTabSz="914400" rtl="0" eaLnBrk="1" latinLnBrk="0" hangingPunct="1">
-              <a:lnSpc>
-                <a:spcPct val="90000"/>
-              </a:lnSpc>
-              <a:spcBef>
-                <a:spcPts val="500"/>
-              </a:spcBef>
-              <a:buFont typeface="Arial" panose="020B0604020202020204" pitchFamily="34" charset="0"/>
-              <a:buChar char="•"/>
-              <a:defRPr sz="2000" kern="1200">
-                <a:solidFill>
-                  <a:schemeClr val="tx1"/>
-                </a:solidFill>
-                <a:latin typeface="+mn-lt"/>
-                <a:ea typeface="+mn-ea"/>
-                <a:cs typeface="+mn-cs"/>
-              </a:defRPr>
-            </a:lvl3pPr>
-            <a:lvl4pPr marL="1600200" indent="-228600" algn="l" defTabSz="914400" rtl="0" eaLnBrk="1" latinLnBrk="0" hangingPunct="1">
-              <a:lnSpc>
-                <a:spcPct val="90000"/>
-              </a:lnSpc>
-              <a:spcBef>
-                <a:spcPts val="500"/>
-              </a:spcBef>
-              <a:buFont typeface="Arial" panose="020B0604020202020204" pitchFamily="34" charset="0"/>
-              <a:buChar char="•"/>
-              <a:defRPr sz="1800" kern="1200">
-                <a:solidFill>
-                  <a:schemeClr val="tx1"/>
-                </a:solidFill>
-                <a:latin typeface="+mn-lt"/>
-                <a:ea typeface="+mn-ea"/>
-                <a:cs typeface="+mn-cs"/>
-              </a:defRPr>
-            </a:lvl4pPr>
-            <a:lvl5pPr marL="2057400" indent="-228600" algn="l" defTabSz="914400" rtl="0" eaLnBrk="1" latinLnBrk="0" hangingPunct="1">
-              <a:lnSpc>
-                <a:spcPct val="90000"/>
-              </a:lnSpc>
-              <a:spcBef>
-                <a:spcPts val="500"/>
-              </a:spcBef>
-              <a:buFont typeface="Arial" panose="020B0604020202020204" pitchFamily="34" charset="0"/>
-              <a:buChar char="•"/>
-              <a:defRPr sz="1800" kern="1200">
-                <a:solidFill>
-                  <a:schemeClr val="tx1"/>
-                </a:solidFill>
-                <a:latin typeface="+mn-lt"/>
-                <a:ea typeface="+mn-ea"/>
-                <a:cs typeface="+mn-cs"/>
-              </a:defRPr>
-            </a:lvl5pPr>
-            <a:lvl6pPr marL="2514600" indent="-228600" algn="l" defTabSz="914400" rtl="0" eaLnBrk="1" latinLnBrk="0" hangingPunct="1">
-              <a:lnSpc>
-                <a:spcPct val="90000"/>
-              </a:lnSpc>
-              <a:spcBef>
-                <a:spcPts val="500"/>
-              </a:spcBef>
-              <a:buFont typeface="Arial" panose="020B0604020202020204" pitchFamily="34" charset="0"/>
-              <a:buChar char="•"/>
-              <a:defRPr sz="1800" kern="1200">
-                <a:solidFill>
-                  <a:schemeClr val="tx1"/>
-                </a:solidFill>
-                <a:latin typeface="+mn-lt"/>
-                <a:ea typeface="+mn-ea"/>
-                <a:cs typeface="+mn-cs"/>
-              </a:defRPr>
-            </a:lvl6pPr>
-            <a:lvl7pPr marL="2971800" indent="-228600" algn="l" defTabSz="914400" rtl="0" eaLnBrk="1" latinLnBrk="0" hangingPunct="1">
-              <a:lnSpc>
-                <a:spcPct val="90000"/>
-              </a:lnSpc>
-              <a:spcBef>
-                <a:spcPts val="500"/>
-              </a:spcBef>
-              <a:buFont typeface="Arial" panose="020B0604020202020204" pitchFamily="34" charset="0"/>
-              <a:buChar char="•"/>
-              <a:defRPr sz="1800" kern="1200">
-                <a:solidFill>
-                  <a:schemeClr val="tx1"/>
-                </a:solidFill>
-                <a:latin typeface="+mn-lt"/>
-                <a:ea typeface="+mn-ea"/>
-                <a:cs typeface="+mn-cs"/>
-              </a:defRPr>
-            </a:lvl7pPr>
-            <a:lvl8pPr marL="3429000" indent="-228600" algn="l" defTabSz="914400" rtl="0" eaLnBrk="1" latinLnBrk="0" hangingPunct="1">
-              <a:lnSpc>
-                <a:spcPct val="90000"/>
-              </a:lnSpc>
-              <a:spcBef>
-                <a:spcPts val="500"/>
-              </a:spcBef>
-              <a:buFont typeface="Arial" panose="020B0604020202020204" pitchFamily="34" charset="0"/>
-              <a:buChar char="•"/>
-              <a:defRPr sz="1800" kern="1200">
-                <a:solidFill>
-                  <a:schemeClr val="tx1"/>
-                </a:solidFill>
-                <a:latin typeface="+mn-lt"/>
-                <a:ea typeface="+mn-ea"/>
-                <a:cs typeface="+mn-cs"/>
-              </a:defRPr>
-            </a:lvl8pPr>
-            <a:lvl9pPr marL="3886200" indent="-228600" algn="l" defTabSz="914400" rtl="0" eaLnBrk="1" latinLnBrk="0" hangingPunct="1">
-              <a:lnSpc>
-                <a:spcPct val="90000"/>
-              </a:lnSpc>
-              <a:spcBef>
-                <a:spcPts val="500"/>
-              </a:spcBef>
-              <a:buFont typeface="Arial" panose="020B0604020202020204" pitchFamily="34" charset="0"/>
-              <a:buChar char="•"/>
-              <a:defRPr sz="1800" kern="1200">
-                <a:solidFill>
-                  <a:schemeClr val="tx1"/>
-                </a:solidFill>
-                <a:latin typeface="+mn-lt"/>
-                <a:ea typeface="+mn-ea"/>
-                <a:cs typeface="+mn-cs"/>
-              </a:defRPr>
-            </a:lvl9pPr>
-          </a:lstStyle>
-          <a:p>
-            <a:r>
-              <a:rPr lang="en-US" altLang="zh-CN" sz="2000" dirty="0"/>
-              <a:t>Distributed transaction for ACID</a:t>
-            </a:r>
-          </a:p>
-          <a:p>
-            <a:r>
-              <a:rPr lang="en-US" altLang="zh-CN" sz="2000" dirty="0"/>
-              <a:t>Geo-replication for availability</a:t>
-            </a:r>
-          </a:p>
-          <a:p>
-            <a:r>
-              <a:rPr lang="en-US" altLang="zh-CN" sz="2000" dirty="0"/>
-              <a:t>2-layers architecture+ Locking CC</a:t>
-            </a:r>
-          </a:p>
-        </p:txBody>
-      </p:sp>
-      <p:sp>
-        <p:nvSpPr>
-          <p:cNvPr id="31" name="内容占位符 13">
-            <a:extLst>
-              <a:ext uri="{FF2B5EF4-FFF2-40B4-BE49-F238E27FC236}">
-                <a16:creationId xmlns:a16="http://schemas.microsoft.com/office/drawing/2014/main" id="{2DBA98B6-77B9-4190-82C2-55269852877E}"/>
-              </a:ext>
-            </a:extLst>
-          </p:cNvPr>
-          <p:cNvSpPr txBox="1">
-            <a:spLocks/>
-          </p:cNvSpPr>
-          <p:nvPr/>
-        </p:nvSpPr>
-        <p:spPr>
-          <a:xfrm>
-            <a:off x="5619752" y="1455501"/>
-            <a:ext cx="5071266" cy="1771707"/>
-          </a:xfrm>
-          <a:prstGeom prst="rect">
-            <a:avLst/>
-          </a:prstGeom>
-        </p:spPr>
-        <p:txBody>
-          <a:bodyPr vert="horz" lIns="91440" tIns="45720" rIns="91440" bIns="45720" rtlCol="0">
-            <a:normAutofit/>
-          </a:bodyPr>
-          <a:lstStyle>
-            <a:lvl1pPr marL="228600" indent="-228600" algn="l" defTabSz="914400" rtl="0" eaLnBrk="1" latinLnBrk="0" hangingPunct="1">
-              <a:lnSpc>
-                <a:spcPct val="90000"/>
-              </a:lnSpc>
-              <a:spcBef>
-                <a:spcPts val="1000"/>
-              </a:spcBef>
-              <a:buFont typeface="Arial" panose="020B0604020202020204" pitchFamily="34" charset="0"/>
-              <a:buChar char="•"/>
-              <a:defRPr sz="2800" kern="1200">
-                <a:solidFill>
-                  <a:schemeClr val="tx1"/>
-                </a:solidFill>
-                <a:latin typeface="+mn-lt"/>
-                <a:ea typeface="+mn-ea"/>
-                <a:cs typeface="+mn-cs"/>
-              </a:defRPr>
-            </a:lvl1pPr>
-            <a:lvl2pPr marL="685800" indent="-228600" algn="l" defTabSz="914400" rtl="0" eaLnBrk="1" latinLnBrk="0" hangingPunct="1">
-              <a:lnSpc>
-                <a:spcPct val="90000"/>
-              </a:lnSpc>
-              <a:spcBef>
-                <a:spcPts val="500"/>
-              </a:spcBef>
-              <a:buFont typeface="Arial" panose="020B0604020202020204" pitchFamily="34" charset="0"/>
-              <a:buChar char="•"/>
-              <a:defRPr sz="2400" kern="1200">
-                <a:solidFill>
-                  <a:schemeClr val="tx1"/>
-                </a:solidFill>
-                <a:latin typeface="+mn-lt"/>
-                <a:ea typeface="+mn-ea"/>
-                <a:cs typeface="+mn-cs"/>
-              </a:defRPr>
-            </a:lvl2pPr>
-            <a:lvl3pPr marL="1143000" indent="-228600" algn="l" defTabSz="914400" rtl="0" eaLnBrk="1" latinLnBrk="0" hangingPunct="1">
-              <a:lnSpc>
-                <a:spcPct val="90000"/>
-              </a:lnSpc>
-              <a:spcBef>
-                <a:spcPts val="500"/>
-              </a:spcBef>
-              <a:buFont typeface="Arial" panose="020B0604020202020204" pitchFamily="34" charset="0"/>
-              <a:buChar char="•"/>
-              <a:defRPr sz="2000" kern="1200">
-                <a:solidFill>
-                  <a:schemeClr val="tx1"/>
-                </a:solidFill>
-                <a:latin typeface="+mn-lt"/>
-                <a:ea typeface="+mn-ea"/>
-                <a:cs typeface="+mn-cs"/>
-              </a:defRPr>
-            </a:lvl3pPr>
-            <a:lvl4pPr marL="1600200" indent="-228600" algn="l" defTabSz="914400" rtl="0" eaLnBrk="1" latinLnBrk="0" hangingPunct="1">
-              <a:lnSpc>
-                <a:spcPct val="90000"/>
-              </a:lnSpc>
-              <a:spcBef>
-                <a:spcPts val="500"/>
-              </a:spcBef>
-              <a:buFont typeface="Arial" panose="020B0604020202020204" pitchFamily="34" charset="0"/>
-              <a:buChar char="•"/>
-              <a:defRPr sz="1800" kern="1200">
-                <a:solidFill>
-                  <a:schemeClr val="tx1"/>
-                </a:solidFill>
-                <a:latin typeface="+mn-lt"/>
-                <a:ea typeface="+mn-ea"/>
-                <a:cs typeface="+mn-cs"/>
-              </a:defRPr>
-            </a:lvl4pPr>
-            <a:lvl5pPr marL="2057400" indent="-228600" algn="l" defTabSz="914400" rtl="0" eaLnBrk="1" latinLnBrk="0" hangingPunct="1">
-              <a:lnSpc>
-                <a:spcPct val="90000"/>
-              </a:lnSpc>
-              <a:spcBef>
-                <a:spcPts val="500"/>
-              </a:spcBef>
-              <a:buFont typeface="Arial" panose="020B0604020202020204" pitchFamily="34" charset="0"/>
-              <a:buChar char="•"/>
-              <a:defRPr sz="1800" kern="1200">
-                <a:solidFill>
-                  <a:schemeClr val="tx1"/>
-                </a:solidFill>
-                <a:latin typeface="+mn-lt"/>
-                <a:ea typeface="+mn-ea"/>
-                <a:cs typeface="+mn-cs"/>
-              </a:defRPr>
-            </a:lvl5pPr>
-            <a:lvl6pPr marL="2514600" indent="-228600" algn="l" defTabSz="914400" rtl="0" eaLnBrk="1" latinLnBrk="0" hangingPunct="1">
-              <a:lnSpc>
-                <a:spcPct val="90000"/>
-              </a:lnSpc>
-              <a:spcBef>
-                <a:spcPts val="500"/>
-              </a:spcBef>
-              <a:buFont typeface="Arial" panose="020B0604020202020204" pitchFamily="34" charset="0"/>
-              <a:buChar char="•"/>
-              <a:defRPr sz="1800" kern="1200">
-                <a:solidFill>
-                  <a:schemeClr val="tx1"/>
-                </a:solidFill>
-                <a:latin typeface="+mn-lt"/>
-                <a:ea typeface="+mn-ea"/>
-                <a:cs typeface="+mn-cs"/>
-              </a:defRPr>
-            </a:lvl6pPr>
-            <a:lvl7pPr marL="2971800" indent="-228600" algn="l" defTabSz="914400" rtl="0" eaLnBrk="1" latinLnBrk="0" hangingPunct="1">
-              <a:lnSpc>
-                <a:spcPct val="90000"/>
-              </a:lnSpc>
-              <a:spcBef>
-                <a:spcPts val="500"/>
-              </a:spcBef>
-              <a:buFont typeface="Arial" panose="020B0604020202020204" pitchFamily="34" charset="0"/>
-              <a:buChar char="•"/>
-              <a:defRPr sz="1800" kern="1200">
-                <a:solidFill>
-                  <a:schemeClr val="tx1"/>
-                </a:solidFill>
-                <a:latin typeface="+mn-lt"/>
-                <a:ea typeface="+mn-ea"/>
-                <a:cs typeface="+mn-cs"/>
-              </a:defRPr>
-            </a:lvl7pPr>
-            <a:lvl8pPr marL="3429000" indent="-228600" algn="l" defTabSz="914400" rtl="0" eaLnBrk="1" latinLnBrk="0" hangingPunct="1">
-              <a:lnSpc>
-                <a:spcPct val="90000"/>
-              </a:lnSpc>
-              <a:spcBef>
-                <a:spcPts val="500"/>
-              </a:spcBef>
-              <a:buFont typeface="Arial" panose="020B0604020202020204" pitchFamily="34" charset="0"/>
-              <a:buChar char="•"/>
-              <a:defRPr sz="1800" kern="1200">
-                <a:solidFill>
-                  <a:schemeClr val="tx1"/>
-                </a:solidFill>
-                <a:latin typeface="+mn-lt"/>
-                <a:ea typeface="+mn-ea"/>
-                <a:cs typeface="+mn-cs"/>
-              </a:defRPr>
-            </a:lvl8pPr>
-            <a:lvl9pPr marL="3886200" indent="-228600" algn="l" defTabSz="914400" rtl="0" eaLnBrk="1" latinLnBrk="0" hangingPunct="1">
-              <a:lnSpc>
-                <a:spcPct val="90000"/>
-              </a:lnSpc>
-              <a:spcBef>
-                <a:spcPts val="500"/>
-              </a:spcBef>
-              <a:buFont typeface="Arial" panose="020B0604020202020204" pitchFamily="34" charset="0"/>
-              <a:buChar char="•"/>
-              <a:defRPr sz="1800" kern="1200">
-                <a:solidFill>
-                  <a:schemeClr val="tx1"/>
-                </a:solidFill>
-                <a:latin typeface="+mn-lt"/>
-                <a:ea typeface="+mn-ea"/>
-                <a:cs typeface="+mn-cs"/>
-              </a:defRPr>
-            </a:lvl9pPr>
-          </a:lstStyle>
-          <a:p>
-            <a:r>
-              <a:rPr lang="en-US" altLang="zh-CN" sz="2000" dirty="0"/>
-              <a:t>Many chatty message round trips</a:t>
-            </a:r>
-          </a:p>
-          <a:p>
-            <a:r>
-              <a:rPr lang="en-US" altLang="zh-CN" sz="2000" dirty="0"/>
-              <a:t>Lock duration overlaps message flow</a:t>
-            </a:r>
-          </a:p>
-          <a:p>
-            <a:r>
-              <a:rPr lang="en-US" altLang="zh-CN" sz="2000" dirty="0"/>
-              <a:t>2PC and Consensus amplify lock duration </a:t>
-            </a:r>
-          </a:p>
-          <a:p>
-            <a:r>
-              <a:rPr lang="en-US" altLang="zh-CN" sz="2000" dirty="0"/>
-              <a:t>LAN RTT &lt;&lt; WAN RTT</a:t>
-            </a:r>
+      <p:sp>
+        <p:nvSpPr>
+          <p:cNvPr id="3" name="副标题 2">
+            <a:extLst>
+              <a:ext uri="{FF2B5EF4-FFF2-40B4-BE49-F238E27FC236}">
+                <a16:creationId xmlns:a16="http://schemas.microsoft.com/office/drawing/2014/main" id="{F5AA864C-F43B-4ADE-B9E4-E5963562369D}"/>
+              </a:ext>
+            </a:extLst>
+          </p:cNvPr>
+          <p:cNvSpPr>
+            <a:spLocks noGrp="1"/>
+          </p:cNvSpPr>
+          <p:nvPr>
+            <p:ph type="subTitle" idx="1"/>
+          </p:nvPr>
+        </p:nvSpPr>
+        <p:spPr/>
+        <p:txBody>
+          <a:bodyPr/>
+          <a:lstStyle/>
+          <a:p>
+            <a:endParaRPr lang="zh-CN" altLang="en-US"/>
           </a:p>
         </p:txBody>
       </p:sp>
     </p:spTree>
     <p:extLst>
       <p:ext uri="{BB962C8B-B14F-4D97-AF65-F5344CB8AC3E}">
-        <p14:creationId xmlns:p14="http://schemas.microsoft.com/office/powerpoint/2010/main" val="2201959449"/>
+        <p14:creationId xmlns:p14="http://schemas.microsoft.com/office/powerpoint/2010/main" val="281173816"/>
+      </p:ext>
+    </p:extLst>
+  </p:cSld>
+  <p:clrMapOvr>
+    <a:masterClrMapping/>
+  </p:clrMapOvr>
+</p:sld>
+</file>
+
+<file path=ppt/slides/slide10.xml><?xml version="1.0" encoding="utf-8"?>
+<p:sld xmlns:a="http://schemas.openxmlformats.org/drawingml/2006/main" xmlns:r="http://schemas.openxmlformats.org/officeDocument/2006/relationships" xmlns:p="http://schemas.openxmlformats.org/presentationml/2006/main">
+  <p:cSld>
+    <p:spTree>
+      <p:nvGrpSpPr>
+        <p:cNvPr id="1" name=""/>
+        <p:cNvGrpSpPr/>
+        <p:nvPr/>
+      </p:nvGrpSpPr>
+      <p:grpSpPr>
+        <a:xfrm>
+          <a:off x="0" y="0"/>
+          <a:ext cx="0" cy="0"/>
+          <a:chOff x="0" y="0"/>
+          <a:chExt cx="0" cy="0"/>
+        </a:xfrm>
+      </p:grpSpPr>
+      <p:sp>
+        <p:nvSpPr>
+          <p:cNvPr id="2" name="标题 1">
+            <a:extLst>
+              <a:ext uri="{FF2B5EF4-FFF2-40B4-BE49-F238E27FC236}">
+                <a16:creationId xmlns:a16="http://schemas.microsoft.com/office/drawing/2014/main" id="{ED4DB68F-4751-417F-88E2-5915322685BA}"/>
+              </a:ext>
+            </a:extLst>
+          </p:cNvPr>
+          <p:cNvSpPr>
+            <a:spLocks noGrp="1"/>
+          </p:cNvSpPr>
+          <p:nvPr>
+            <p:ph type="title"/>
+          </p:nvPr>
+        </p:nvSpPr>
+        <p:spPr/>
+        <p:txBody>
+          <a:bodyPr/>
+          <a:lstStyle/>
+          <a:p>
+            <a:endParaRPr lang="zh-CN" altLang="en-US"/>
+          </a:p>
+        </p:txBody>
+      </p:sp>
+      <p:sp>
+        <p:nvSpPr>
+          <p:cNvPr id="3" name="内容占位符 2">
+            <a:extLst>
+              <a:ext uri="{FF2B5EF4-FFF2-40B4-BE49-F238E27FC236}">
+                <a16:creationId xmlns:a16="http://schemas.microsoft.com/office/drawing/2014/main" id="{0B344243-FE3F-4FCB-8BED-1CAD77C10D5A}"/>
+              </a:ext>
+            </a:extLst>
+          </p:cNvPr>
+          <p:cNvSpPr>
+            <a:spLocks noGrp="1"/>
+          </p:cNvSpPr>
+          <p:nvPr>
+            <p:ph sz="half" idx="1"/>
+          </p:nvPr>
+        </p:nvSpPr>
+        <p:spPr/>
+        <p:txBody>
+          <a:bodyPr/>
+          <a:lstStyle/>
+          <a:p>
+            <a:endParaRPr lang="zh-CN" altLang="en-US"/>
+          </a:p>
+        </p:txBody>
+      </p:sp>
+      <p:sp>
+        <p:nvSpPr>
+          <p:cNvPr id="4" name="内容占位符 3">
+            <a:extLst>
+              <a:ext uri="{FF2B5EF4-FFF2-40B4-BE49-F238E27FC236}">
+                <a16:creationId xmlns:a16="http://schemas.microsoft.com/office/drawing/2014/main" id="{B57E98D9-13B4-4841-86D8-CAED34D3CE14}"/>
+              </a:ext>
+            </a:extLst>
+          </p:cNvPr>
+          <p:cNvSpPr>
+            <a:spLocks noGrp="1"/>
+          </p:cNvSpPr>
+          <p:nvPr>
+            <p:ph sz="half" idx="2"/>
+          </p:nvPr>
+        </p:nvSpPr>
+        <p:spPr/>
+        <p:txBody>
+          <a:bodyPr/>
+          <a:lstStyle/>
+          <a:p>
+            <a:endParaRPr lang="zh-CN" altLang="en-US"/>
+          </a:p>
+        </p:txBody>
+      </p:sp>
+    </p:spTree>
+    <p:extLst>
+      <p:ext uri="{BB962C8B-B14F-4D97-AF65-F5344CB8AC3E}">
+        <p14:creationId xmlns:p14="http://schemas.microsoft.com/office/powerpoint/2010/main" val="1696529004"/>
+      </p:ext>
+    </p:extLst>
+  </p:cSld>
+  <p:clrMapOvr>
+    <a:masterClrMapping/>
+  </p:clrMapOvr>
+</p:sld>
+</file>
+
+<file path=ppt/slides/slide11.xml><?xml version="1.0" encoding="utf-8"?>
+<p:sld xmlns:a="http://schemas.openxmlformats.org/drawingml/2006/main" xmlns:r="http://schemas.openxmlformats.org/officeDocument/2006/relationships" xmlns:p="http://schemas.openxmlformats.org/presentationml/2006/main">
+  <p:cSld>
+    <p:spTree>
+      <p:nvGrpSpPr>
+        <p:cNvPr id="1" name=""/>
+        <p:cNvGrpSpPr/>
+        <p:nvPr/>
+      </p:nvGrpSpPr>
+      <p:grpSpPr>
+        <a:xfrm>
+          <a:off x="0" y="0"/>
+          <a:ext cx="0" cy="0"/>
+          <a:chOff x="0" y="0"/>
+          <a:chExt cx="0" cy="0"/>
+        </a:xfrm>
+      </p:grpSpPr>
+      <p:sp>
+        <p:nvSpPr>
+          <p:cNvPr id="2" name="标题 1">
+            <a:extLst>
+              <a:ext uri="{FF2B5EF4-FFF2-40B4-BE49-F238E27FC236}">
+                <a16:creationId xmlns:a16="http://schemas.microsoft.com/office/drawing/2014/main" id="{018A032A-0DF3-4D6A-B157-A70866B94185}"/>
+              </a:ext>
+            </a:extLst>
+          </p:cNvPr>
+          <p:cNvSpPr>
+            <a:spLocks noGrp="1"/>
+          </p:cNvSpPr>
+          <p:nvPr>
+            <p:ph type="title"/>
+          </p:nvPr>
+        </p:nvSpPr>
+        <p:spPr/>
+        <p:txBody>
+          <a:bodyPr/>
+          <a:lstStyle/>
+          <a:p>
+            <a:endParaRPr lang="zh-CN" altLang="en-US"/>
+          </a:p>
+        </p:txBody>
+      </p:sp>
+      <p:sp>
+        <p:nvSpPr>
+          <p:cNvPr id="3" name="内容占位符 2">
+            <a:extLst>
+              <a:ext uri="{FF2B5EF4-FFF2-40B4-BE49-F238E27FC236}">
+                <a16:creationId xmlns:a16="http://schemas.microsoft.com/office/drawing/2014/main" id="{DD8827D1-4E14-4A57-A0A6-ADC2F6A7BBFB}"/>
+              </a:ext>
+            </a:extLst>
+          </p:cNvPr>
+          <p:cNvSpPr>
+            <a:spLocks noGrp="1"/>
+          </p:cNvSpPr>
+          <p:nvPr>
+            <p:ph sz="half" idx="1"/>
+          </p:nvPr>
+        </p:nvSpPr>
+        <p:spPr/>
+        <p:txBody>
+          <a:bodyPr/>
+          <a:lstStyle/>
+          <a:p>
+            <a:endParaRPr lang="zh-CN" altLang="en-US"/>
+          </a:p>
+        </p:txBody>
+      </p:sp>
+      <p:sp>
+        <p:nvSpPr>
+          <p:cNvPr id="4" name="内容占位符 3">
+            <a:extLst>
+              <a:ext uri="{FF2B5EF4-FFF2-40B4-BE49-F238E27FC236}">
+                <a16:creationId xmlns:a16="http://schemas.microsoft.com/office/drawing/2014/main" id="{9E752188-83CE-4338-BD22-032E30BADB9B}"/>
+              </a:ext>
+            </a:extLst>
+          </p:cNvPr>
+          <p:cNvSpPr>
+            <a:spLocks noGrp="1"/>
+          </p:cNvSpPr>
+          <p:nvPr>
+            <p:ph sz="half" idx="2"/>
+          </p:nvPr>
+        </p:nvSpPr>
+        <p:spPr/>
+        <p:txBody>
+          <a:bodyPr/>
+          <a:lstStyle/>
+          <a:p>
+            <a:endParaRPr lang="zh-CN" altLang="en-US"/>
+          </a:p>
+        </p:txBody>
+      </p:sp>
+    </p:spTree>
+    <p:extLst>
+      <p:ext uri="{BB962C8B-B14F-4D97-AF65-F5344CB8AC3E}">
+        <p14:creationId xmlns:p14="http://schemas.microsoft.com/office/powerpoint/2010/main" val="4138711223"/>
       </p:ext>
     </p:extLst>
   </p:cSld>
@@ -3878,6 +3632,803 @@
       </p:grpSpPr>
       <p:sp>
         <p:nvSpPr>
+          <p:cNvPr id="4" name="标题 3">
+            <a:extLst>
+              <a:ext uri="{FF2B5EF4-FFF2-40B4-BE49-F238E27FC236}">
+                <a16:creationId xmlns:a16="http://schemas.microsoft.com/office/drawing/2014/main" id="{5916799A-5FC3-48AE-B58E-8BE997BF4B79}"/>
+              </a:ext>
+            </a:extLst>
+          </p:cNvPr>
+          <p:cNvSpPr>
+            <a:spLocks noGrp="1"/>
+          </p:cNvSpPr>
+          <p:nvPr>
+            <p:ph type="title"/>
+          </p:nvPr>
+        </p:nvSpPr>
+        <p:spPr/>
+        <p:txBody>
+          <a:bodyPr/>
+          <a:lstStyle/>
+          <a:p>
+            <a:r>
+              <a:rPr lang="en-US" altLang="zh-CN" dirty="0"/>
+              <a:t>Geo-Replicated Distributed Database</a:t>
+            </a:r>
+            <a:endParaRPr lang="zh-CN" altLang="en-US" dirty="0"/>
+          </a:p>
+        </p:txBody>
+      </p:sp>
+      <p:pic>
+        <p:nvPicPr>
+          <p:cNvPr id="7" name="内容占位符 6">
+            <a:extLst>
+              <a:ext uri="{FF2B5EF4-FFF2-40B4-BE49-F238E27FC236}">
+                <a16:creationId xmlns:a16="http://schemas.microsoft.com/office/drawing/2014/main" id="{846B873F-EA4E-4DED-A0C5-04E1F085854E}"/>
+              </a:ext>
+            </a:extLst>
+          </p:cNvPr>
+          <p:cNvPicPr>
+            <a:picLocks noGrp="1" noChangeAspect="1"/>
+          </p:cNvPicPr>
+          <p:nvPr>
+            <p:ph sz="half" idx="1"/>
+          </p:nvPr>
+        </p:nvPicPr>
+        <p:blipFill>
+          <a:blip r:embed="rId2"/>
+          <a:stretch>
+            <a:fillRect/>
+          </a:stretch>
+        </p:blipFill>
+        <p:spPr>
+          <a:xfrm>
+            <a:off x="1188140" y="2652263"/>
+            <a:ext cx="4353620" cy="3138936"/>
+          </a:xfrm>
+          <a:prstGeom prst="rect">
+            <a:avLst/>
+          </a:prstGeom>
+        </p:spPr>
+      </p:pic>
+      <p:sp>
+        <p:nvSpPr>
+          <p:cNvPr id="6" name="内容占位符 5">
+            <a:extLst>
+              <a:ext uri="{FF2B5EF4-FFF2-40B4-BE49-F238E27FC236}">
+                <a16:creationId xmlns:a16="http://schemas.microsoft.com/office/drawing/2014/main" id="{9477D8CA-67C0-44B6-BCD7-42D29C1141BC}"/>
+              </a:ext>
+            </a:extLst>
+          </p:cNvPr>
+          <p:cNvSpPr>
+            <a:spLocks noGrp="1"/>
+          </p:cNvSpPr>
+          <p:nvPr>
+            <p:ph sz="half" idx="2"/>
+          </p:nvPr>
+        </p:nvSpPr>
+        <p:spPr/>
+        <p:txBody>
+          <a:bodyPr/>
+          <a:lstStyle/>
+          <a:p>
+            <a:r>
+              <a:rPr lang="en-US" altLang="zh-CN" dirty="0"/>
+              <a:t>2-layers architecture</a:t>
+            </a:r>
+          </a:p>
+          <a:p>
+            <a:r>
+              <a:rPr lang="en-US" altLang="zh-CN" dirty="0" err="1"/>
+              <a:t>sharding</a:t>
+            </a:r>
+            <a:r>
+              <a:rPr lang="en-US" altLang="zh-CN" dirty="0"/>
+              <a:t> for scalability </a:t>
+            </a:r>
+          </a:p>
+          <a:p>
+            <a:r>
+              <a:rPr lang="en-US" altLang="zh-CN" dirty="0"/>
+              <a:t>geo-replication for availability</a:t>
+            </a:r>
+          </a:p>
+          <a:p>
+            <a:endParaRPr lang="zh-CN" altLang="en-US" dirty="0"/>
+          </a:p>
+        </p:txBody>
+      </p:sp>
+    </p:spTree>
+    <p:extLst>
+      <p:ext uri="{BB962C8B-B14F-4D97-AF65-F5344CB8AC3E}">
+        <p14:creationId xmlns:p14="http://schemas.microsoft.com/office/powerpoint/2010/main" val="1944650935"/>
+      </p:ext>
+    </p:extLst>
+  </p:cSld>
+  <p:clrMapOvr>
+    <a:masterClrMapping/>
+  </p:clrMapOvr>
+</p:sld>
+</file>
+
+<file path=ppt/slides/slide3.xml><?xml version="1.0" encoding="utf-8"?>
+<p:sld xmlns:a="http://schemas.openxmlformats.org/drawingml/2006/main" xmlns:r="http://schemas.openxmlformats.org/officeDocument/2006/relationships" xmlns:p="http://schemas.openxmlformats.org/presentationml/2006/main">
+  <p:cSld>
+    <p:spTree>
+      <p:nvGrpSpPr>
+        <p:cNvPr id="1" name=""/>
+        <p:cNvGrpSpPr/>
+        <p:nvPr/>
+      </p:nvGrpSpPr>
+      <p:grpSpPr>
+        <a:xfrm>
+          <a:off x="0" y="0"/>
+          <a:ext cx="0" cy="0"/>
+          <a:chOff x="0" y="0"/>
+          <a:chExt cx="0" cy="0"/>
+        </a:xfrm>
+      </p:grpSpPr>
+      <p:sp>
+        <p:nvSpPr>
+          <p:cNvPr id="5" name="标题 4">
+            <a:extLst>
+              <a:ext uri="{FF2B5EF4-FFF2-40B4-BE49-F238E27FC236}">
+                <a16:creationId xmlns:a16="http://schemas.microsoft.com/office/drawing/2014/main" id="{BD96B84D-3AF2-4609-B933-C72153BDF9B1}"/>
+              </a:ext>
+            </a:extLst>
+          </p:cNvPr>
+          <p:cNvSpPr>
+            <a:spLocks noGrp="1"/>
+          </p:cNvSpPr>
+          <p:nvPr>
+            <p:ph type="title"/>
+          </p:nvPr>
+        </p:nvSpPr>
+        <p:spPr/>
+        <p:txBody>
+          <a:bodyPr/>
+          <a:lstStyle/>
+          <a:p>
+            <a:r>
+              <a:rPr lang="en-US" altLang="zh-CN" dirty="0"/>
+              <a:t>GDDP use 2PL and 2PC</a:t>
+            </a:r>
+            <a:endParaRPr lang="zh-CN" altLang="en-US" dirty="0"/>
+          </a:p>
+        </p:txBody>
+      </p:sp>
+      <p:pic>
+        <p:nvPicPr>
+          <p:cNvPr id="4" name="内容占位符 3">
+            <a:extLst>
+              <a:ext uri="{FF2B5EF4-FFF2-40B4-BE49-F238E27FC236}">
+                <a16:creationId xmlns:a16="http://schemas.microsoft.com/office/drawing/2014/main" id="{B6A83C63-72E6-4DC3-8539-FD7A1B057EF8}"/>
+              </a:ext>
+            </a:extLst>
+          </p:cNvPr>
+          <p:cNvPicPr>
+            <a:picLocks noGrp="1" noChangeAspect="1"/>
+          </p:cNvPicPr>
+          <p:nvPr>
+            <p:ph sz="half" idx="1"/>
+          </p:nvPr>
+        </p:nvPicPr>
+        <p:blipFill>
+          <a:blip r:embed="rId2"/>
+          <a:stretch>
+            <a:fillRect/>
+          </a:stretch>
+        </p:blipFill>
+        <p:spPr>
+          <a:xfrm>
+            <a:off x="838200" y="2516323"/>
+            <a:ext cx="5181600" cy="2969941"/>
+          </a:xfrm>
+          <a:prstGeom prst="rect">
+            <a:avLst/>
+          </a:prstGeom>
+        </p:spPr>
+      </p:pic>
+      <p:sp>
+        <p:nvSpPr>
+          <p:cNvPr id="6" name="内容占位符 5">
+            <a:extLst>
+              <a:ext uri="{FF2B5EF4-FFF2-40B4-BE49-F238E27FC236}">
+                <a16:creationId xmlns:a16="http://schemas.microsoft.com/office/drawing/2014/main" id="{3895B5C3-93A0-40D0-ABC9-B3C039B42EF2}"/>
+              </a:ext>
+            </a:extLst>
+          </p:cNvPr>
+          <p:cNvSpPr>
+            <a:spLocks noGrp="1"/>
+          </p:cNvSpPr>
+          <p:nvPr>
+            <p:ph sz="half" idx="2"/>
+          </p:nvPr>
+        </p:nvSpPr>
+        <p:spPr/>
+        <p:txBody>
+          <a:bodyPr>
+            <a:normAutofit/>
+          </a:bodyPr>
+          <a:lstStyle/>
+          <a:p>
+            <a:r>
+              <a:rPr lang="en-US" altLang="zh-CN" dirty="0"/>
+              <a:t>Locking CC(2PL)</a:t>
+            </a:r>
+          </a:p>
+          <a:p>
+            <a:r>
+              <a:rPr lang="en-US" altLang="zh-CN" dirty="0"/>
+              <a:t>Atomic Commit(2PC)</a:t>
+            </a:r>
+          </a:p>
+          <a:p>
+            <a:r>
+              <a:rPr lang="en-US" altLang="zh-CN" dirty="0"/>
+              <a:t>Many chatty message round trips</a:t>
+            </a:r>
+          </a:p>
+          <a:p>
+            <a:r>
+              <a:rPr lang="en-US" altLang="zh-CN" dirty="0"/>
+              <a:t>2PC and Consensus amplify lock duration </a:t>
+            </a:r>
+          </a:p>
+          <a:p>
+            <a:r>
+              <a:rPr lang="en-US" altLang="zh-CN" dirty="0"/>
+              <a:t>LAN RTT &lt;&lt; WAN RTT</a:t>
+            </a:r>
+          </a:p>
+          <a:p>
+            <a:pPr lvl="1"/>
+            <a:r>
+              <a:rPr lang="en-US" altLang="zh-CN" dirty="0"/>
+              <a:t>LAN   0.1~0.2 </a:t>
+            </a:r>
+            <a:r>
+              <a:rPr lang="en-US" altLang="zh-CN" dirty="0" err="1"/>
+              <a:t>ms</a:t>
+            </a:r>
+            <a:endParaRPr lang="en-US" altLang="zh-CN" dirty="0"/>
+          </a:p>
+          <a:p>
+            <a:pPr lvl="1"/>
+            <a:r>
+              <a:rPr lang="en-US" altLang="zh-CN" dirty="0"/>
+              <a:t>WAN 30~200 </a:t>
+            </a:r>
+            <a:r>
+              <a:rPr lang="en-US" altLang="zh-CN" dirty="0" err="1"/>
+              <a:t>ms</a:t>
+            </a:r>
+            <a:endParaRPr lang="en-US" altLang="zh-CN" dirty="0"/>
+          </a:p>
+          <a:p>
+            <a:endParaRPr lang="zh-CN" altLang="en-US" dirty="0"/>
+          </a:p>
+        </p:txBody>
+      </p:sp>
+    </p:spTree>
+    <p:extLst>
+      <p:ext uri="{BB962C8B-B14F-4D97-AF65-F5344CB8AC3E}">
+        <p14:creationId xmlns:p14="http://schemas.microsoft.com/office/powerpoint/2010/main" val="2322567897"/>
+      </p:ext>
+    </p:extLst>
+  </p:cSld>
+  <p:clrMapOvr>
+    <a:masterClrMapping/>
+  </p:clrMapOvr>
+</p:sld>
+</file>
+
+<file path=ppt/slides/slide4.xml><?xml version="1.0" encoding="utf-8"?>
+<p:sld xmlns:a="http://schemas.openxmlformats.org/drawingml/2006/main" xmlns:r="http://schemas.openxmlformats.org/officeDocument/2006/relationships" xmlns:p="http://schemas.openxmlformats.org/presentationml/2006/main">
+  <p:cSld>
+    <p:spTree>
+      <p:nvGrpSpPr>
+        <p:cNvPr id="1" name=""/>
+        <p:cNvGrpSpPr/>
+        <p:nvPr/>
+      </p:nvGrpSpPr>
+      <p:grpSpPr>
+        <a:xfrm>
+          <a:off x="0" y="0"/>
+          <a:ext cx="0" cy="0"/>
+          <a:chOff x="0" y="0"/>
+          <a:chExt cx="0" cy="0"/>
+        </a:xfrm>
+      </p:grpSpPr>
+      <p:sp>
+        <p:nvSpPr>
+          <p:cNvPr id="5" name="标题 4">
+            <a:extLst>
+              <a:ext uri="{FF2B5EF4-FFF2-40B4-BE49-F238E27FC236}">
+                <a16:creationId xmlns:a16="http://schemas.microsoft.com/office/drawing/2014/main" id="{EA91CF47-6FA1-45F1-B2F8-1B80AA9E0D93}"/>
+              </a:ext>
+            </a:extLst>
+          </p:cNvPr>
+          <p:cNvSpPr>
+            <a:spLocks noGrp="1"/>
+          </p:cNvSpPr>
+          <p:nvPr>
+            <p:ph type="title"/>
+          </p:nvPr>
+        </p:nvSpPr>
+        <p:spPr/>
+        <p:txBody>
+          <a:bodyPr/>
+          <a:lstStyle/>
+          <a:p>
+            <a:r>
+              <a:rPr lang="en-US" altLang="zh-CN" dirty="0"/>
+              <a:t>Our Goal</a:t>
+            </a:r>
+            <a:endParaRPr lang="zh-CN" altLang="en-US" dirty="0"/>
+          </a:p>
+        </p:txBody>
+      </p:sp>
+      <p:sp>
+        <p:nvSpPr>
+          <p:cNvPr id="6" name="内容占位符 5">
+            <a:extLst>
+              <a:ext uri="{FF2B5EF4-FFF2-40B4-BE49-F238E27FC236}">
+                <a16:creationId xmlns:a16="http://schemas.microsoft.com/office/drawing/2014/main" id="{E0E23549-8791-44BB-8AE1-50EDEFD79798}"/>
+              </a:ext>
+            </a:extLst>
+          </p:cNvPr>
+          <p:cNvSpPr>
+            <a:spLocks noGrp="1"/>
+          </p:cNvSpPr>
+          <p:nvPr>
+            <p:ph idx="1"/>
+          </p:nvPr>
+        </p:nvSpPr>
+        <p:spPr/>
+        <p:txBody>
+          <a:bodyPr/>
+          <a:lstStyle/>
+          <a:p>
+            <a:r>
+              <a:rPr lang="en-US" altLang="zh-CN" dirty="0"/>
+              <a:t>Shorten critical path </a:t>
+            </a:r>
+          </a:p>
+          <a:p>
+            <a:r>
+              <a:rPr lang="en-US" altLang="zh-CN" dirty="0"/>
+              <a:t>Increase concurrency when encounter lock conflict</a:t>
+            </a:r>
+          </a:p>
+          <a:p>
+            <a:r>
+              <a:rPr lang="en-US" altLang="zh-CN" dirty="0"/>
+              <a:t>Both performance and correctness</a:t>
+            </a:r>
+          </a:p>
+        </p:txBody>
+      </p:sp>
+    </p:spTree>
+    <p:extLst>
+      <p:ext uri="{BB962C8B-B14F-4D97-AF65-F5344CB8AC3E}">
+        <p14:creationId xmlns:p14="http://schemas.microsoft.com/office/powerpoint/2010/main" val="4180375278"/>
+      </p:ext>
+    </p:extLst>
+  </p:cSld>
+  <p:clrMapOvr>
+    <a:masterClrMapping/>
+  </p:clrMapOvr>
+</p:sld>
+</file>
+
+<file path=ppt/slides/slide5.xml><?xml version="1.0" encoding="utf-8"?>
+<p:sld xmlns:a="http://schemas.openxmlformats.org/drawingml/2006/main" xmlns:r="http://schemas.openxmlformats.org/officeDocument/2006/relationships" xmlns:p="http://schemas.openxmlformats.org/presentationml/2006/main">
+  <p:cSld>
+    <p:spTree>
+      <p:nvGrpSpPr>
+        <p:cNvPr id="1" name=""/>
+        <p:cNvGrpSpPr/>
+        <p:nvPr/>
+      </p:nvGrpSpPr>
+      <p:grpSpPr>
+        <a:xfrm>
+          <a:off x="0" y="0"/>
+          <a:ext cx="0" cy="0"/>
+          <a:chOff x="0" y="0"/>
+          <a:chExt cx="0" cy="0"/>
+        </a:xfrm>
+      </p:grpSpPr>
+      <p:sp>
+        <p:nvSpPr>
+          <p:cNvPr id="2" name="标题 1">
+            <a:extLst>
+              <a:ext uri="{FF2B5EF4-FFF2-40B4-BE49-F238E27FC236}">
+                <a16:creationId xmlns:a16="http://schemas.microsoft.com/office/drawing/2014/main" id="{BB36BAE6-54F5-4F86-AE27-4FD8148015C7}"/>
+              </a:ext>
+            </a:extLst>
+          </p:cNvPr>
+          <p:cNvSpPr>
+            <a:spLocks noGrp="1"/>
+          </p:cNvSpPr>
+          <p:nvPr>
+            <p:ph type="title"/>
+          </p:nvPr>
+        </p:nvSpPr>
+        <p:spPr/>
+        <p:txBody>
+          <a:bodyPr/>
+          <a:lstStyle/>
+          <a:p>
+            <a:r>
+              <a:rPr lang="en-US" altLang="zh-CN" dirty="0"/>
+              <a:t>Related Work</a:t>
+            </a:r>
+            <a:endParaRPr lang="zh-CN" altLang="en-US" dirty="0"/>
+          </a:p>
+        </p:txBody>
+      </p:sp>
+      <p:sp>
+        <p:nvSpPr>
+          <p:cNvPr id="3" name="内容占位符 2">
+            <a:extLst>
+              <a:ext uri="{FF2B5EF4-FFF2-40B4-BE49-F238E27FC236}">
+                <a16:creationId xmlns:a16="http://schemas.microsoft.com/office/drawing/2014/main" id="{189B55D0-720D-4E29-AC99-30921BDC3014}"/>
+              </a:ext>
+            </a:extLst>
+          </p:cNvPr>
+          <p:cNvSpPr>
+            <a:spLocks noGrp="1"/>
+          </p:cNvSpPr>
+          <p:nvPr>
+            <p:ph sz="half" idx="1"/>
+          </p:nvPr>
+        </p:nvSpPr>
+        <p:spPr/>
+        <p:txBody>
+          <a:bodyPr>
+            <a:normAutofit/>
+          </a:bodyPr>
+          <a:lstStyle/>
+          <a:p>
+            <a:r>
+              <a:rPr lang="en-US" altLang="zh-CN" dirty="0"/>
+              <a:t>Existing Work:</a:t>
+            </a:r>
+          </a:p>
+          <a:p>
+            <a:pPr lvl="1"/>
+            <a:r>
+              <a:rPr lang="en-US" altLang="zh-CN" dirty="0"/>
+              <a:t>Controlled Lock Violation (Goetz </a:t>
+            </a:r>
+            <a:r>
+              <a:rPr lang="en-US" altLang="zh-CN" dirty="0" err="1"/>
+              <a:t>Graefe</a:t>
+            </a:r>
+            <a:r>
+              <a:rPr lang="en-US" altLang="zh-CN" dirty="0"/>
+              <a:t> et al.)</a:t>
+            </a:r>
+          </a:p>
+        </p:txBody>
+      </p:sp>
+      <p:sp>
+        <p:nvSpPr>
+          <p:cNvPr id="4" name="内容占位符 3">
+            <a:extLst>
+              <a:ext uri="{FF2B5EF4-FFF2-40B4-BE49-F238E27FC236}">
+                <a16:creationId xmlns:a16="http://schemas.microsoft.com/office/drawing/2014/main" id="{EEF7F6E3-40AC-44BA-A3AD-995569A518BA}"/>
+              </a:ext>
+            </a:extLst>
+          </p:cNvPr>
+          <p:cNvSpPr>
+            <a:spLocks noGrp="1"/>
+          </p:cNvSpPr>
+          <p:nvPr>
+            <p:ph sz="half" idx="2"/>
+          </p:nvPr>
+        </p:nvSpPr>
+        <p:spPr/>
+        <p:txBody>
+          <a:bodyPr>
+            <a:normAutofit/>
+          </a:bodyPr>
+          <a:lstStyle/>
+          <a:p>
+            <a:r>
+              <a:rPr lang="en-US" altLang="zh-CN" dirty="0"/>
+              <a:t>Our Work:</a:t>
+            </a:r>
+          </a:p>
+          <a:p>
+            <a:pPr lvl="1"/>
+            <a:r>
+              <a:rPr lang="en-US" altLang="zh-CN" dirty="0"/>
+              <a:t>Extend CLV to distributed and geo-replication</a:t>
+            </a:r>
+          </a:p>
+          <a:p>
+            <a:pPr lvl="1"/>
+            <a:r>
+              <a:rPr lang="en-US" altLang="zh-CN" dirty="0"/>
+              <a:t>DLV for GDDB</a:t>
+            </a:r>
+          </a:p>
+          <a:p>
+            <a:pPr lvl="1"/>
+            <a:r>
+              <a:rPr lang="en-US" altLang="zh-CN" dirty="0"/>
+              <a:t>Find a proper violation time</a:t>
+            </a:r>
+          </a:p>
+          <a:p>
+            <a:pPr lvl="1"/>
+            <a:r>
+              <a:rPr lang="en-US" altLang="zh-CN" dirty="0"/>
+              <a:t>Adapt to deadlock handling technique</a:t>
+            </a:r>
+          </a:p>
+          <a:p>
+            <a:pPr lvl="1"/>
+            <a:r>
+              <a:rPr lang="en-US" altLang="zh-CN" dirty="0"/>
+              <a:t>Evaluation performance</a:t>
+            </a:r>
+            <a:endParaRPr lang="zh-CN" altLang="en-US" dirty="0"/>
+          </a:p>
+        </p:txBody>
+      </p:sp>
+    </p:spTree>
+    <p:extLst>
+      <p:ext uri="{BB962C8B-B14F-4D97-AF65-F5344CB8AC3E}">
+        <p14:creationId xmlns:p14="http://schemas.microsoft.com/office/powerpoint/2010/main" val="2078821975"/>
+      </p:ext>
+    </p:extLst>
+  </p:cSld>
+  <p:clrMapOvr>
+    <a:masterClrMapping/>
+  </p:clrMapOvr>
+</p:sld>
+</file>
+
+<file path=ppt/slides/slide6.xml><?xml version="1.0" encoding="utf-8"?>
+<p:sld xmlns:a="http://schemas.openxmlformats.org/drawingml/2006/main" xmlns:r="http://schemas.openxmlformats.org/officeDocument/2006/relationships" xmlns:p="http://schemas.openxmlformats.org/presentationml/2006/main">
+  <p:cSld>
+    <p:spTree>
+      <p:nvGrpSpPr>
+        <p:cNvPr id="1" name=""/>
+        <p:cNvGrpSpPr/>
+        <p:nvPr/>
+      </p:nvGrpSpPr>
+      <p:grpSpPr>
+        <a:xfrm>
+          <a:off x="0" y="0"/>
+          <a:ext cx="0" cy="0"/>
+          <a:chOff x="0" y="0"/>
+          <a:chExt cx="0" cy="0"/>
+        </a:xfrm>
+      </p:grpSpPr>
+      <p:sp>
+        <p:nvSpPr>
+          <p:cNvPr id="2" name="标题 1">
+            <a:extLst>
+              <a:ext uri="{FF2B5EF4-FFF2-40B4-BE49-F238E27FC236}">
+                <a16:creationId xmlns:a16="http://schemas.microsoft.com/office/drawing/2014/main" id="{EFC05C13-FAAF-444C-BC80-ED4CD01EC9B1}"/>
+              </a:ext>
+            </a:extLst>
+          </p:cNvPr>
+          <p:cNvSpPr>
+            <a:spLocks noGrp="1"/>
+          </p:cNvSpPr>
+          <p:nvPr>
+            <p:ph type="title"/>
+          </p:nvPr>
+        </p:nvSpPr>
+        <p:spPr/>
+        <p:txBody>
+          <a:bodyPr/>
+          <a:lstStyle/>
+          <a:p>
+            <a:r>
+              <a:rPr lang="en-US" altLang="zh-CN" dirty="0"/>
+              <a:t>DLV, Correctness Criteria</a:t>
+            </a:r>
+            <a:endParaRPr lang="zh-CN" altLang="en-US" dirty="0"/>
+          </a:p>
+        </p:txBody>
+      </p:sp>
+      <p:sp>
+        <p:nvSpPr>
+          <p:cNvPr id="6" name="内容占位符 5">
+            <a:extLst>
+              <a:ext uri="{FF2B5EF4-FFF2-40B4-BE49-F238E27FC236}">
+                <a16:creationId xmlns:a16="http://schemas.microsoft.com/office/drawing/2014/main" id="{FBDB5F30-6731-4C17-8A26-F016722DD1AB}"/>
+              </a:ext>
+            </a:extLst>
+          </p:cNvPr>
+          <p:cNvSpPr>
+            <a:spLocks noGrp="1"/>
+          </p:cNvSpPr>
+          <p:nvPr>
+            <p:ph idx="1"/>
+          </p:nvPr>
+        </p:nvSpPr>
+        <p:spPr/>
+        <p:txBody>
+          <a:bodyPr/>
+          <a:lstStyle/>
+          <a:p>
+            <a:r>
+              <a:rPr lang="en-US" altLang="zh-CN" dirty="0"/>
+              <a:t>Recoverability  </a:t>
+            </a:r>
+          </a:p>
+          <a:p>
+            <a:r>
+              <a:rPr lang="en-US" altLang="zh-CN" dirty="0"/>
+              <a:t>Serializability</a:t>
+            </a:r>
+          </a:p>
+          <a:p>
+            <a:r>
+              <a:rPr lang="en-US" altLang="zh-CN" dirty="0"/>
+              <a:t>Not necessarily be strict</a:t>
+            </a:r>
+            <a:endParaRPr lang="zh-CN" altLang="en-US" dirty="0"/>
+          </a:p>
+        </p:txBody>
+      </p:sp>
+    </p:spTree>
+    <p:extLst>
+      <p:ext uri="{BB962C8B-B14F-4D97-AF65-F5344CB8AC3E}">
+        <p14:creationId xmlns:p14="http://schemas.microsoft.com/office/powerpoint/2010/main" val="4219432394"/>
+      </p:ext>
+    </p:extLst>
+  </p:cSld>
+  <p:clrMapOvr>
+    <a:masterClrMapping/>
+  </p:clrMapOvr>
+</p:sld>
+</file>
+
+<file path=ppt/slides/slide7.xml><?xml version="1.0" encoding="utf-8"?>
+<p:sld xmlns:a="http://schemas.openxmlformats.org/drawingml/2006/main" xmlns:r="http://schemas.openxmlformats.org/officeDocument/2006/relationships" xmlns:p="http://schemas.openxmlformats.org/presentationml/2006/main">
+  <p:cSld>
+    <p:spTree>
+      <p:nvGrpSpPr>
+        <p:cNvPr id="1" name=""/>
+        <p:cNvGrpSpPr/>
+        <p:nvPr/>
+      </p:nvGrpSpPr>
+      <p:grpSpPr>
+        <a:xfrm>
+          <a:off x="0" y="0"/>
+          <a:ext cx="0" cy="0"/>
+          <a:chOff x="0" y="0"/>
+          <a:chExt cx="0" cy="0"/>
+        </a:xfrm>
+      </p:grpSpPr>
+      <p:sp>
+        <p:nvSpPr>
+          <p:cNvPr id="10" name="标题 9">
+            <a:extLst>
+              <a:ext uri="{FF2B5EF4-FFF2-40B4-BE49-F238E27FC236}">
+                <a16:creationId xmlns:a16="http://schemas.microsoft.com/office/drawing/2014/main" id="{F05E6FA2-52B1-49DB-BFB9-C07B997942FE}"/>
+              </a:ext>
+            </a:extLst>
+          </p:cNvPr>
+          <p:cNvSpPr>
+            <a:spLocks noGrp="1"/>
+          </p:cNvSpPr>
+          <p:nvPr>
+            <p:ph type="title"/>
+          </p:nvPr>
+        </p:nvSpPr>
+        <p:spPr/>
+        <p:txBody>
+          <a:bodyPr/>
+          <a:lstStyle/>
+          <a:p>
+            <a:r>
+              <a:rPr lang="en-US" altLang="zh-CN" dirty="0"/>
+              <a:t>DLV, Technique</a:t>
+            </a:r>
+            <a:endParaRPr lang="zh-CN" altLang="en-US" dirty="0"/>
+          </a:p>
+        </p:txBody>
+      </p:sp>
+      <p:sp>
+        <p:nvSpPr>
+          <p:cNvPr id="11" name="内容占位符 10">
+            <a:extLst>
+              <a:ext uri="{FF2B5EF4-FFF2-40B4-BE49-F238E27FC236}">
+                <a16:creationId xmlns:a16="http://schemas.microsoft.com/office/drawing/2014/main" id="{01DB83D1-D12B-489E-B1A4-1922DA04D7DA}"/>
+              </a:ext>
+            </a:extLst>
+          </p:cNvPr>
+          <p:cNvSpPr>
+            <a:spLocks noGrp="1"/>
+          </p:cNvSpPr>
+          <p:nvPr>
+            <p:ph idx="1"/>
+          </p:nvPr>
+        </p:nvSpPr>
+        <p:spPr/>
+        <p:txBody>
+          <a:bodyPr/>
+          <a:lstStyle/>
+          <a:p>
+            <a:r>
+              <a:rPr lang="en-US" altLang="zh-CN" dirty="0"/>
+              <a:t>Consolidate many lock wait with many final wait</a:t>
+            </a:r>
+          </a:p>
+          <a:p>
+            <a:r>
+              <a:rPr lang="en-US" altLang="zh-CN" dirty="0"/>
+              <a:t>Register and Report Dependency</a:t>
+            </a:r>
+          </a:p>
+          <a:p>
+            <a:r>
+              <a:rPr lang="en-US" altLang="zh-CN" dirty="0"/>
+              <a:t>In memory dependency maintenance</a:t>
+            </a:r>
+          </a:p>
+          <a:p>
+            <a:r>
+              <a:rPr lang="en-US" altLang="zh-CN" dirty="0"/>
+              <a:t>Cascade Abort</a:t>
+            </a:r>
+          </a:p>
+          <a:p>
+            <a:r>
+              <a:rPr lang="en-US" altLang="zh-CN" dirty="0"/>
+              <a:t>Append only storage, easy to recovery</a:t>
+            </a:r>
+          </a:p>
+          <a:p>
+            <a:pPr lvl="1"/>
+            <a:endParaRPr lang="en-US" altLang="zh-CN" dirty="0"/>
+          </a:p>
+          <a:p>
+            <a:endParaRPr lang="zh-CN" altLang="en-US" dirty="0"/>
+          </a:p>
+        </p:txBody>
+      </p:sp>
+    </p:spTree>
+    <p:extLst>
+      <p:ext uri="{BB962C8B-B14F-4D97-AF65-F5344CB8AC3E}">
+        <p14:creationId xmlns:p14="http://schemas.microsoft.com/office/powerpoint/2010/main" val="3281342502"/>
+      </p:ext>
+    </p:extLst>
+  </p:cSld>
+  <p:clrMapOvr>
+    <a:masterClrMapping/>
+  </p:clrMapOvr>
+</p:sld>
+</file>
+
+<file path=ppt/slides/slide8.xml><?xml version="1.0" encoding="utf-8"?>
+<p:sld xmlns:a="http://schemas.openxmlformats.org/drawingml/2006/main" xmlns:r="http://schemas.openxmlformats.org/officeDocument/2006/relationships" xmlns:p="http://schemas.openxmlformats.org/presentationml/2006/main">
+  <p:cSld>
+    <p:spTree>
+      <p:nvGrpSpPr>
+        <p:cNvPr id="1" name=""/>
+        <p:cNvGrpSpPr/>
+        <p:nvPr/>
+      </p:nvGrpSpPr>
+      <p:grpSpPr>
+        <a:xfrm>
+          <a:off x="0" y="0"/>
+          <a:ext cx="0" cy="0"/>
+          <a:chOff x="0" y="0"/>
+          <a:chExt cx="0" cy="0"/>
+        </a:xfrm>
+      </p:grpSpPr>
+      <p:sp>
+        <p:nvSpPr>
           <p:cNvPr id="2" name="标题 1">
             <a:extLst>
               <a:ext uri="{FF2B5EF4-FFF2-40B4-BE49-F238E27FC236}">
@@ -4198,6 +4749,111 @@
     <p:extLst>
       <p:ext uri="{BB962C8B-B14F-4D97-AF65-F5344CB8AC3E}">
         <p14:creationId xmlns:p14="http://schemas.microsoft.com/office/powerpoint/2010/main" val="3557513111"/>
+      </p:ext>
+    </p:extLst>
+  </p:cSld>
+  <p:clrMapOvr>
+    <a:masterClrMapping/>
+  </p:clrMapOvr>
+</p:sld>
+</file>
+
+<file path=ppt/slides/slide9.xml><?xml version="1.0" encoding="utf-8"?>
+<p:sld xmlns:a="http://schemas.openxmlformats.org/drawingml/2006/main" xmlns:r="http://schemas.openxmlformats.org/officeDocument/2006/relationships" xmlns:p="http://schemas.openxmlformats.org/presentationml/2006/main">
+  <p:cSld>
+    <p:spTree>
+      <p:nvGrpSpPr>
+        <p:cNvPr id="1" name=""/>
+        <p:cNvGrpSpPr/>
+        <p:nvPr/>
+      </p:nvGrpSpPr>
+      <p:grpSpPr>
+        <a:xfrm>
+          <a:off x="0" y="0"/>
+          <a:ext cx="0" cy="0"/>
+          <a:chOff x="0" y="0"/>
+          <a:chExt cx="0" cy="0"/>
+        </a:xfrm>
+      </p:grpSpPr>
+      <p:sp>
+        <p:nvSpPr>
+          <p:cNvPr id="2" name="标题 1">
+            <a:extLst>
+              <a:ext uri="{FF2B5EF4-FFF2-40B4-BE49-F238E27FC236}">
+                <a16:creationId xmlns:a16="http://schemas.microsoft.com/office/drawing/2014/main" id="{8DC939DE-CD82-4AD1-81D7-E94E8468B15A}"/>
+              </a:ext>
+            </a:extLst>
+          </p:cNvPr>
+          <p:cNvSpPr>
+            <a:spLocks noGrp="1"/>
+          </p:cNvSpPr>
+          <p:nvPr>
+            <p:ph type="title"/>
+          </p:nvPr>
+        </p:nvSpPr>
+        <p:spPr/>
+        <p:txBody>
+          <a:bodyPr/>
+          <a:lstStyle/>
+          <a:p>
+            <a:endParaRPr lang="zh-CN" altLang="en-US"/>
+          </a:p>
+        </p:txBody>
+      </p:sp>
+      <p:sp>
+        <p:nvSpPr>
+          <p:cNvPr id="3" name="内容占位符 2">
+            <a:extLst>
+              <a:ext uri="{FF2B5EF4-FFF2-40B4-BE49-F238E27FC236}">
+                <a16:creationId xmlns:a16="http://schemas.microsoft.com/office/drawing/2014/main" id="{FD6610A2-8620-4DE8-9103-EDF8557EC9FD}"/>
+              </a:ext>
+            </a:extLst>
+          </p:cNvPr>
+          <p:cNvSpPr>
+            <a:spLocks noGrp="1"/>
+          </p:cNvSpPr>
+          <p:nvPr>
+            <p:ph sz="half" idx="1"/>
+          </p:nvPr>
+        </p:nvSpPr>
+        <p:spPr/>
+        <p:txBody>
+          <a:bodyPr/>
+          <a:lstStyle/>
+          <a:p>
+            <a:endParaRPr lang="zh-CN" altLang="en-US"/>
+          </a:p>
+        </p:txBody>
+      </p:sp>
+      <p:sp>
+        <p:nvSpPr>
+          <p:cNvPr id="4" name="内容占位符 3">
+            <a:extLst>
+              <a:ext uri="{FF2B5EF4-FFF2-40B4-BE49-F238E27FC236}">
+                <a16:creationId xmlns:a16="http://schemas.microsoft.com/office/drawing/2014/main" id="{48D06FD2-82E1-47E5-A5F7-03D61F1C6B0A}"/>
+              </a:ext>
+            </a:extLst>
+          </p:cNvPr>
+          <p:cNvSpPr>
+            <a:spLocks noGrp="1"/>
+          </p:cNvSpPr>
+          <p:nvPr>
+            <p:ph sz="half" idx="2"/>
+          </p:nvPr>
+        </p:nvSpPr>
+        <p:spPr/>
+        <p:txBody>
+          <a:bodyPr/>
+          <a:lstStyle/>
+          <a:p>
+            <a:endParaRPr lang="zh-CN" altLang="en-US"/>
+          </a:p>
+        </p:txBody>
+      </p:sp>
+    </p:spTree>
+    <p:extLst>
+      <p:ext uri="{BB962C8B-B14F-4D97-AF65-F5344CB8AC3E}">
+        <p14:creationId xmlns:p14="http://schemas.microsoft.com/office/powerpoint/2010/main" val="3154091398"/>
       </p:ext>
     </p:extLst>
   </p:cSld>
